--- a/ClassMaterials/RecursionIntroduction/Slides/Recursion.pptx
+++ b/ClassMaterials/RecursionIntroduction/Slides/Recursion.pptx
@@ -1098,7 +1098,7 @@
           </a:ln>
           <a:extLst>
             <a:ext uri="{909E8E84-426E-40dd-AFC4-6F175D3DCCD1}">
-              <a14:hiddenFill xmlns="" xmlns:a14="http://schemas.microsoft.com/office/drawing/2010/main">
+              <a14:hiddenFill xmlns:a14="http://schemas.microsoft.com/office/drawing/2010/main" xmlns="">
                 <a:solidFill>
                   <a:srgbClr val="FFFFFF"/>
                 </a:solidFill>
@@ -1122,14 +1122,14 @@
           <a:ln/>
           <a:extLst>
             <a:ext uri="{909E8E84-426E-40dd-AFC4-6F175D3DCCD1}">
-              <a14:hiddenFill xmlns="" xmlns:a14="http://schemas.microsoft.com/office/drawing/2010/main">
+              <a14:hiddenFill xmlns:a14="http://schemas.microsoft.com/office/drawing/2010/main" xmlns="">
                 <a:solidFill>
                   <a:srgbClr val="FFFFFF"/>
                 </a:solidFill>
               </a14:hiddenFill>
             </a:ext>
             <a:ext uri="{91240B29-F687-4f45-9708-019B960494DF}">
-              <a14:hiddenLine xmlns="" xmlns:a14="http://schemas.microsoft.com/office/drawing/2010/main" w="9525">
+              <a14:hiddenLine xmlns:a14="http://schemas.microsoft.com/office/drawing/2010/main" xmlns="" w="9525">
                 <a:solidFill>
                   <a:srgbClr val="000000"/>
                 </a:solidFill>
@@ -1163,14 +1163,14 @@
           <a:ln/>
           <a:extLst>
             <a:ext uri="{909E8E84-426E-40dd-AFC4-6F175D3DCCD1}">
-              <a14:hiddenFill xmlns="" xmlns:a14="http://schemas.microsoft.com/office/drawing/2010/main">
+              <a14:hiddenFill xmlns:a14="http://schemas.microsoft.com/office/drawing/2010/main" xmlns="">
                 <a:solidFill>
                   <a:srgbClr val="FFFFFF"/>
                 </a:solidFill>
               </a14:hiddenFill>
             </a:ext>
             <a:ext uri="{91240B29-F687-4f45-9708-019B960494DF}">
-              <a14:hiddenLine xmlns="" xmlns:a14="http://schemas.microsoft.com/office/drawing/2010/main" w="9525">
+              <a14:hiddenLine xmlns:a14="http://schemas.microsoft.com/office/drawing/2010/main" xmlns="" w="9525">
                 <a:solidFill>
                   <a:srgbClr val="000000"/>
                 </a:solidFill>
@@ -1357,7 +1357,7 @@
           </a:ln>
           <a:extLst>
             <a:ext uri="{909E8E84-426E-40dd-AFC4-6F175D3DCCD1}">
-              <a14:hiddenFill xmlns="" xmlns:a14="http://schemas.microsoft.com/office/drawing/2010/main">
+              <a14:hiddenFill xmlns:a14="http://schemas.microsoft.com/office/drawing/2010/main" xmlns="">
                 <a:solidFill>
                   <a:srgbClr val="FFFFFF"/>
                 </a:solidFill>
@@ -1381,14 +1381,14 @@
           <a:ln/>
           <a:extLst>
             <a:ext uri="{909E8E84-426E-40dd-AFC4-6F175D3DCCD1}">
-              <a14:hiddenFill xmlns="" xmlns:a14="http://schemas.microsoft.com/office/drawing/2010/main">
+              <a14:hiddenFill xmlns:a14="http://schemas.microsoft.com/office/drawing/2010/main" xmlns="">
                 <a:solidFill>
                   <a:srgbClr val="FFFFFF"/>
                 </a:solidFill>
               </a14:hiddenFill>
             </a:ext>
             <a:ext uri="{91240B29-F687-4f45-9708-019B960494DF}">
-              <a14:hiddenLine xmlns="" xmlns:a14="http://schemas.microsoft.com/office/drawing/2010/main" w="9525">
+              <a14:hiddenLine xmlns:a14="http://schemas.microsoft.com/office/drawing/2010/main" xmlns="" w="9525">
                 <a:solidFill>
                   <a:srgbClr val="000000"/>
                 </a:solidFill>
@@ -1474,14 +1474,14 @@
           <a:ln/>
           <a:extLst>
             <a:ext uri="{909E8E84-426E-40dd-AFC4-6F175D3DCCD1}">
-              <a14:hiddenFill xmlns="" xmlns:a14="http://schemas.microsoft.com/office/drawing/2010/main">
+              <a14:hiddenFill xmlns:a14="http://schemas.microsoft.com/office/drawing/2010/main" xmlns="">
                 <a:solidFill>
                   <a:srgbClr val="FFFFFF"/>
                 </a:solidFill>
               </a14:hiddenFill>
             </a:ext>
             <a:ext uri="{91240B29-F687-4f45-9708-019B960494DF}">
-              <a14:hiddenLine xmlns="" xmlns:a14="http://schemas.microsoft.com/office/drawing/2010/main" w="9525">
+              <a14:hiddenLine xmlns:a14="http://schemas.microsoft.com/office/drawing/2010/main" xmlns="" w="9525">
                 <a:solidFill>
                   <a:srgbClr val="000000"/>
                 </a:solidFill>
@@ -1998,7 +1998,7 @@
           </a:ln>
           <a:extLst>
             <a:ext uri="{909E8E84-426E-40dd-AFC4-6F175D3DCCD1}">
-              <a14:hiddenFill xmlns="" xmlns:a14="http://schemas.microsoft.com/office/drawing/2010/main">
+              <a14:hiddenFill xmlns:a14="http://schemas.microsoft.com/office/drawing/2010/main" xmlns="">
                 <a:solidFill>
                   <a:srgbClr val="FFFFFF"/>
                 </a:solidFill>
@@ -2022,14 +2022,14 @@
           <a:ln/>
           <a:extLst>
             <a:ext uri="{909E8E84-426E-40dd-AFC4-6F175D3DCCD1}">
-              <a14:hiddenFill xmlns="" xmlns:a14="http://schemas.microsoft.com/office/drawing/2010/main">
+              <a14:hiddenFill xmlns:a14="http://schemas.microsoft.com/office/drawing/2010/main" xmlns="">
                 <a:solidFill>
                   <a:srgbClr val="FFFFFF"/>
                 </a:solidFill>
               </a14:hiddenFill>
             </a:ext>
             <a:ext uri="{91240B29-F687-4f45-9708-019B960494DF}">
-              <a14:hiddenLine xmlns="" xmlns:a14="http://schemas.microsoft.com/office/drawing/2010/main" w="9525">
+              <a14:hiddenLine xmlns:a14="http://schemas.microsoft.com/office/drawing/2010/main" xmlns="" w="9525">
                 <a:solidFill>
                   <a:srgbClr val="000000"/>
                 </a:solidFill>
@@ -2105,14 +2105,14 @@
           <a:ln/>
           <a:extLst>
             <a:ext uri="{909E8E84-426E-40dd-AFC4-6F175D3DCCD1}">
-              <a14:hiddenFill xmlns="" xmlns:a14="http://schemas.microsoft.com/office/drawing/2010/main">
+              <a14:hiddenFill xmlns:a14="http://schemas.microsoft.com/office/drawing/2010/main" xmlns="">
                 <a:solidFill>
                   <a:srgbClr val="FFFFFF"/>
                 </a:solidFill>
               </a14:hiddenFill>
             </a:ext>
             <a:ext uri="{91240B29-F687-4f45-9708-019B960494DF}">
-              <a14:hiddenLine xmlns="" xmlns:a14="http://schemas.microsoft.com/office/drawing/2010/main" w="9525">
+              <a14:hiddenLine xmlns:a14="http://schemas.microsoft.com/office/drawing/2010/main" xmlns="" w="9525">
                 <a:solidFill>
                   <a:srgbClr val="000000"/>
                 </a:solidFill>
@@ -6121,7 +6121,7 @@
             </a:pPr>
             <a:r>
               <a:rPr lang="en-US" sz="2800" dirty="0"/>
-              <a:t>Checkout </a:t>
+              <a:t>Import </a:t>
             </a:r>
             <a:r>
               <a:rPr lang="en-US" sz="2800" i="1" dirty="0"/>
@@ -6129,8 +6129,13 @@
             </a:r>
             <a:r>
               <a:rPr lang="en-US" sz="2800" dirty="0"/>
-              <a:t> project from SVN</a:t>
-            </a:r>
+              <a:t> project </a:t>
+            </a:r>
+            <a:r>
+              <a:rPr lang="en-US" sz="2800"/>
+              <a:t>from the repo</a:t>
+            </a:r>
+            <a:endParaRPr lang="en-US" sz="2800" dirty="0"/>
           </a:p>
         </p:txBody>
       </p:sp>

--- a/ClassMaterials/RecursionIntroduction/Slides/Recursion.pptx
+++ b/ClassMaterials/RecursionIntroduction/Slides/Recursion.pptx
@@ -283,7 +283,7 @@
               <a:pPr>
                 <a:defRPr/>
               </a:pPr>
-              <a:t>9/26/2018</a:t>
+              <a:t>4/3/2020</a:t>
             </a:fld>
             <a:endParaRPr lang="en-US"/>
           </a:p>
@@ -518,7 +518,7 @@
               <a:pPr>
                 <a:defRPr/>
               </a:pPr>
-              <a:t>9/26/2018</a:t>
+              <a:t>4/3/2020</a:t>
             </a:fld>
             <a:endParaRPr lang="en-US"/>
           </a:p>
@@ -929,8 +929,8 @@
               <a:t>Bring hardcopy of code from </a:t>
             </a:r>
             <a:r>
-              <a:rPr lang="en-US" dirty="0" err="1"/>
-              <a:t>RecursionSolution</a:t>
+              <a:rPr lang="en-US" smtClean="0"/>
+              <a:t>RecursionInClassPracticeSolution</a:t>
             </a:r>
             <a:r>
               <a:rPr lang="en-US" dirty="0"/>
@@ -1098,7 +1098,7 @@
           </a:ln>
           <a:extLst>
             <a:ext uri="{909E8E84-426E-40dd-AFC4-6F175D3DCCD1}">
-              <a14:hiddenFill xmlns:a14="http://schemas.microsoft.com/office/drawing/2010/main" xmlns="">
+              <a14:hiddenFill xmlns="" xmlns:a14="http://schemas.microsoft.com/office/drawing/2010/main">
                 <a:solidFill>
                   <a:srgbClr val="FFFFFF"/>
                 </a:solidFill>
@@ -1122,14 +1122,14 @@
           <a:ln/>
           <a:extLst>
             <a:ext uri="{909E8E84-426E-40dd-AFC4-6F175D3DCCD1}">
-              <a14:hiddenFill xmlns:a14="http://schemas.microsoft.com/office/drawing/2010/main" xmlns="">
+              <a14:hiddenFill xmlns="" xmlns:a14="http://schemas.microsoft.com/office/drawing/2010/main">
                 <a:solidFill>
                   <a:srgbClr val="FFFFFF"/>
                 </a:solidFill>
               </a14:hiddenFill>
             </a:ext>
             <a:ext uri="{91240B29-F687-4f45-9708-019B960494DF}">
-              <a14:hiddenLine xmlns:a14="http://schemas.microsoft.com/office/drawing/2010/main" xmlns="" w="9525">
+              <a14:hiddenLine xmlns="" xmlns:a14="http://schemas.microsoft.com/office/drawing/2010/main" w="9525">
                 <a:solidFill>
                   <a:srgbClr val="000000"/>
                 </a:solidFill>
@@ -1163,14 +1163,14 @@
           <a:ln/>
           <a:extLst>
             <a:ext uri="{909E8E84-426E-40dd-AFC4-6F175D3DCCD1}">
-              <a14:hiddenFill xmlns:a14="http://schemas.microsoft.com/office/drawing/2010/main" xmlns="">
+              <a14:hiddenFill xmlns="" xmlns:a14="http://schemas.microsoft.com/office/drawing/2010/main">
                 <a:solidFill>
                   <a:srgbClr val="FFFFFF"/>
                 </a:solidFill>
               </a14:hiddenFill>
             </a:ext>
             <a:ext uri="{91240B29-F687-4f45-9708-019B960494DF}">
-              <a14:hiddenLine xmlns:a14="http://schemas.microsoft.com/office/drawing/2010/main" xmlns="" w="9525">
+              <a14:hiddenLine xmlns="" xmlns:a14="http://schemas.microsoft.com/office/drawing/2010/main" w="9525">
                 <a:solidFill>
                   <a:srgbClr val="000000"/>
                 </a:solidFill>
@@ -1357,7 +1357,7 @@
           </a:ln>
           <a:extLst>
             <a:ext uri="{909E8E84-426E-40dd-AFC4-6F175D3DCCD1}">
-              <a14:hiddenFill xmlns:a14="http://schemas.microsoft.com/office/drawing/2010/main" xmlns="">
+              <a14:hiddenFill xmlns="" xmlns:a14="http://schemas.microsoft.com/office/drawing/2010/main">
                 <a:solidFill>
                   <a:srgbClr val="FFFFFF"/>
                 </a:solidFill>
@@ -1381,14 +1381,14 @@
           <a:ln/>
           <a:extLst>
             <a:ext uri="{909E8E84-426E-40dd-AFC4-6F175D3DCCD1}">
-              <a14:hiddenFill xmlns:a14="http://schemas.microsoft.com/office/drawing/2010/main" xmlns="">
+              <a14:hiddenFill xmlns="" xmlns:a14="http://schemas.microsoft.com/office/drawing/2010/main">
                 <a:solidFill>
                   <a:srgbClr val="FFFFFF"/>
                 </a:solidFill>
               </a14:hiddenFill>
             </a:ext>
             <a:ext uri="{91240B29-F687-4f45-9708-019B960494DF}">
-              <a14:hiddenLine xmlns:a14="http://schemas.microsoft.com/office/drawing/2010/main" xmlns="" w="9525">
+              <a14:hiddenLine xmlns="" xmlns:a14="http://schemas.microsoft.com/office/drawing/2010/main" w="9525">
                 <a:solidFill>
                   <a:srgbClr val="000000"/>
                 </a:solidFill>
@@ -1474,14 +1474,14 @@
           <a:ln/>
           <a:extLst>
             <a:ext uri="{909E8E84-426E-40dd-AFC4-6F175D3DCCD1}">
-              <a14:hiddenFill xmlns:a14="http://schemas.microsoft.com/office/drawing/2010/main" xmlns="">
+              <a14:hiddenFill xmlns="" xmlns:a14="http://schemas.microsoft.com/office/drawing/2010/main">
                 <a:solidFill>
                   <a:srgbClr val="FFFFFF"/>
                 </a:solidFill>
               </a14:hiddenFill>
             </a:ext>
             <a:ext uri="{91240B29-F687-4f45-9708-019B960494DF}">
-              <a14:hiddenLine xmlns:a14="http://schemas.microsoft.com/office/drawing/2010/main" xmlns="" w="9525">
+              <a14:hiddenLine xmlns="" xmlns:a14="http://schemas.microsoft.com/office/drawing/2010/main" w="9525">
                 <a:solidFill>
                   <a:srgbClr val="000000"/>
                 </a:solidFill>
@@ -1998,7 +1998,7 @@
           </a:ln>
           <a:extLst>
             <a:ext uri="{909E8E84-426E-40dd-AFC4-6F175D3DCCD1}">
-              <a14:hiddenFill xmlns:a14="http://schemas.microsoft.com/office/drawing/2010/main" xmlns="">
+              <a14:hiddenFill xmlns="" xmlns:a14="http://schemas.microsoft.com/office/drawing/2010/main">
                 <a:solidFill>
                   <a:srgbClr val="FFFFFF"/>
                 </a:solidFill>
@@ -2022,14 +2022,14 @@
           <a:ln/>
           <a:extLst>
             <a:ext uri="{909E8E84-426E-40dd-AFC4-6F175D3DCCD1}">
-              <a14:hiddenFill xmlns:a14="http://schemas.microsoft.com/office/drawing/2010/main" xmlns="">
+              <a14:hiddenFill xmlns="" xmlns:a14="http://schemas.microsoft.com/office/drawing/2010/main">
                 <a:solidFill>
                   <a:srgbClr val="FFFFFF"/>
                 </a:solidFill>
               </a14:hiddenFill>
             </a:ext>
             <a:ext uri="{91240B29-F687-4f45-9708-019B960494DF}">
-              <a14:hiddenLine xmlns:a14="http://schemas.microsoft.com/office/drawing/2010/main" xmlns="" w="9525">
+              <a14:hiddenLine xmlns="" xmlns:a14="http://schemas.microsoft.com/office/drawing/2010/main" w="9525">
                 <a:solidFill>
                   <a:srgbClr val="000000"/>
                 </a:solidFill>
@@ -2105,14 +2105,14 @@
           <a:ln/>
           <a:extLst>
             <a:ext uri="{909E8E84-426E-40dd-AFC4-6F175D3DCCD1}">
-              <a14:hiddenFill xmlns:a14="http://schemas.microsoft.com/office/drawing/2010/main" xmlns="">
+              <a14:hiddenFill xmlns="" xmlns:a14="http://schemas.microsoft.com/office/drawing/2010/main">
                 <a:solidFill>
                   <a:srgbClr val="FFFFFF"/>
                 </a:solidFill>
               </a14:hiddenFill>
             </a:ext>
             <a:ext uri="{91240B29-F687-4f45-9708-019B960494DF}">
-              <a14:hiddenLine xmlns:a14="http://schemas.microsoft.com/office/drawing/2010/main" xmlns="" w="9525">
+              <a14:hiddenLine xmlns="" xmlns:a14="http://schemas.microsoft.com/office/drawing/2010/main" w="9525">
                 <a:solidFill>
                   <a:srgbClr val="000000"/>
                 </a:solidFill>
@@ -3020,7 +3020,7 @@
               <a:pPr>
                 <a:defRPr/>
               </a:pPr>
-              <a:t>Wednesday, September 26, 2018</a:t>
+              <a:t>Friday, April 3, 2020</a:t>
             </a:fld>
             <a:endParaRPr lang="en-US" dirty="0"/>
           </a:p>
@@ -3203,7 +3203,7 @@
               <a:pPr>
                 <a:defRPr/>
               </a:pPr>
-              <a:t>Wednesday, September 26, 2018</a:t>
+              <a:t>Friday, April 3, 2020</a:t>
             </a:fld>
             <a:endParaRPr lang="en-US" dirty="0"/>
           </a:p>
@@ -3396,7 +3396,7 @@
               <a:pPr>
                 <a:defRPr/>
               </a:pPr>
-              <a:t>Wednesday, September 26, 2018</a:t>
+              <a:t>Friday, April 3, 2020</a:t>
             </a:fld>
             <a:endParaRPr lang="en-US" dirty="0"/>
           </a:p>
@@ -3579,7 +3579,7 @@
               <a:pPr>
                 <a:defRPr/>
               </a:pPr>
-              <a:t>Wednesday, September 26, 2018</a:t>
+              <a:t>Friday, April 3, 2020</a:t>
             </a:fld>
             <a:endParaRPr lang="en-US" dirty="0"/>
           </a:p>
@@ -3839,7 +3839,7 @@
               <a:pPr>
                 <a:defRPr/>
               </a:pPr>
-              <a:t>Wednesday, September 26, 2018</a:t>
+              <a:t>Friday, April 3, 2020</a:t>
             </a:fld>
             <a:endParaRPr lang="en-US"/>
           </a:p>
@@ -4139,7 +4139,7 @@
               <a:pPr>
                 <a:defRPr/>
               </a:pPr>
-              <a:t>Wednesday, September 26, 2018</a:t>
+              <a:t>Friday, April 3, 2020</a:t>
             </a:fld>
             <a:endParaRPr lang="en-US"/>
           </a:p>
@@ -4573,7 +4573,7 @@
               <a:pPr>
                 <a:defRPr/>
               </a:pPr>
-              <a:t>Wednesday, September 26, 2018</a:t>
+              <a:t>Friday, April 3, 2020</a:t>
             </a:fld>
             <a:endParaRPr lang="en-US"/>
           </a:p>
@@ -4705,7 +4705,7 @@
               <a:pPr>
                 <a:defRPr/>
               </a:pPr>
-              <a:t>Wednesday, September 26, 2018</a:t>
+              <a:t>Friday, April 3, 2020</a:t>
             </a:fld>
             <a:endParaRPr lang="en-US"/>
           </a:p>
@@ -4815,7 +4815,7 @@
               <a:pPr>
                 <a:defRPr/>
               </a:pPr>
-              <a:t>Wednesday, September 26, 2018</a:t>
+              <a:t>Friday, April 3, 2020</a:t>
             </a:fld>
             <a:endParaRPr lang="en-US" dirty="0"/>
           </a:p>
@@ -5105,7 +5105,7 @@
               <a:pPr>
                 <a:defRPr/>
               </a:pPr>
-              <a:t>Wednesday, September 26, 2018</a:t>
+              <a:t>Friday, April 3, 2020</a:t>
             </a:fld>
             <a:endParaRPr lang="en-US"/>
           </a:p>
@@ -5372,7 +5372,7 @@
               <a:pPr>
                 <a:defRPr/>
               </a:pPr>
-              <a:t>Wednesday, September 26, 2018</a:t>
+              <a:t>Friday, April 3, 2020</a:t>
             </a:fld>
             <a:endParaRPr lang="en-US"/>
           </a:p>
@@ -5598,7 +5598,7 @@
               <a:pPr>
                 <a:defRPr/>
               </a:pPr>
-              <a:t>Wednesday, September 26, 2018</a:t>
+              <a:t>Friday, April 3, 2020</a:t>
             </a:fld>
             <a:endParaRPr lang="en-US" dirty="0"/>
           </a:p>
@@ -6088,7 +6088,7 @@
         <p:spPr>
           <a:xfrm>
             <a:off x="285750" y="6242050"/>
-            <a:ext cx="7486650" cy="523220"/>
+            <a:ext cx="8401050" cy="523220"/>
           </a:xfrm>
           <a:prstGeom prst="rect">
             <a:avLst/>
@@ -6124,18 +6124,17 @@
               <a:t>Import </a:t>
             </a:r>
             <a:r>
-              <a:rPr lang="en-US" sz="2800" i="1" dirty="0"/>
-              <a:t>Recursion</a:t>
+              <a:rPr lang="en-US" sz="2800" i="1" dirty="0" err="1" smtClean="0"/>
+              <a:t>RecursionInClassPractice</a:t>
+            </a:r>
+            <a:r>
+              <a:rPr lang="en-US" sz="2800" dirty="0" smtClean="0"/>
+              <a:t> </a:t>
             </a:r>
             <a:r>
               <a:rPr lang="en-US" sz="2800" dirty="0"/>
-              <a:t> project </a:t>
-            </a:r>
-            <a:r>
-              <a:rPr lang="en-US" sz="2800"/>
-              <a:t>from the repo</a:t>
-            </a:r>
-            <a:endParaRPr lang="en-US" sz="2800" dirty="0"/>
+              <a:t>project from the repo</a:t>
+            </a:r>
           </a:p>
         </p:txBody>
       </p:sp>
@@ -6321,6 +6320,10 @@
             <a:r>
               <a:rPr lang="en-US" b="1" dirty="0"/>
               <a:t>occurs repeatedly </a:t>
+            </a:r>
+            <a:r>
+              <a:rPr lang="en-US" dirty="0"/>
+              <a:t/>
             </a:r>
             <a:br>
               <a:rPr lang="en-US" dirty="0"/>

--- a/ClassMaterials/RecursionIntroduction/Slides/Recursion.pptx
+++ b/ClassMaterials/RecursionIntroduction/Slides/Recursion.pptx
@@ -283,7 +283,7 @@
               <a:pPr>
                 <a:defRPr/>
               </a:pPr>
-              <a:t>4/3/2020</a:t>
+              <a:t>4/8/2020</a:t>
             </a:fld>
             <a:endParaRPr lang="en-US"/>
           </a:p>
@@ -518,7 +518,7 @@
               <a:pPr>
                 <a:defRPr/>
               </a:pPr>
-              <a:t>4/3/2020</a:t>
+              <a:t>4/8/2020</a:t>
             </a:fld>
             <a:endParaRPr lang="en-US"/>
           </a:p>
@@ -1098,7 +1098,7 @@
           </a:ln>
           <a:extLst>
             <a:ext uri="{909E8E84-426E-40dd-AFC4-6F175D3DCCD1}">
-              <a14:hiddenFill xmlns="" xmlns:a14="http://schemas.microsoft.com/office/drawing/2010/main">
+              <a14:hiddenFill xmlns:a14="http://schemas.microsoft.com/office/drawing/2010/main" xmlns="">
                 <a:solidFill>
                   <a:srgbClr val="FFFFFF"/>
                 </a:solidFill>
@@ -1122,14 +1122,14 @@
           <a:ln/>
           <a:extLst>
             <a:ext uri="{909E8E84-426E-40dd-AFC4-6F175D3DCCD1}">
-              <a14:hiddenFill xmlns="" xmlns:a14="http://schemas.microsoft.com/office/drawing/2010/main">
+              <a14:hiddenFill xmlns:a14="http://schemas.microsoft.com/office/drawing/2010/main" xmlns="">
                 <a:solidFill>
                   <a:srgbClr val="FFFFFF"/>
                 </a:solidFill>
               </a14:hiddenFill>
             </a:ext>
             <a:ext uri="{91240B29-F687-4f45-9708-019B960494DF}">
-              <a14:hiddenLine xmlns="" xmlns:a14="http://schemas.microsoft.com/office/drawing/2010/main" w="9525">
+              <a14:hiddenLine xmlns:a14="http://schemas.microsoft.com/office/drawing/2010/main" xmlns="" w="9525">
                 <a:solidFill>
                   <a:srgbClr val="000000"/>
                 </a:solidFill>
@@ -1163,14 +1163,14 @@
           <a:ln/>
           <a:extLst>
             <a:ext uri="{909E8E84-426E-40dd-AFC4-6F175D3DCCD1}">
-              <a14:hiddenFill xmlns="" xmlns:a14="http://schemas.microsoft.com/office/drawing/2010/main">
+              <a14:hiddenFill xmlns:a14="http://schemas.microsoft.com/office/drawing/2010/main" xmlns="">
                 <a:solidFill>
                   <a:srgbClr val="FFFFFF"/>
                 </a:solidFill>
               </a14:hiddenFill>
             </a:ext>
             <a:ext uri="{91240B29-F687-4f45-9708-019B960494DF}">
-              <a14:hiddenLine xmlns="" xmlns:a14="http://schemas.microsoft.com/office/drawing/2010/main" w="9525">
+              <a14:hiddenLine xmlns:a14="http://schemas.microsoft.com/office/drawing/2010/main" xmlns="" w="9525">
                 <a:solidFill>
                   <a:srgbClr val="000000"/>
                 </a:solidFill>
@@ -1357,7 +1357,7 @@
           </a:ln>
           <a:extLst>
             <a:ext uri="{909E8E84-426E-40dd-AFC4-6F175D3DCCD1}">
-              <a14:hiddenFill xmlns="" xmlns:a14="http://schemas.microsoft.com/office/drawing/2010/main">
+              <a14:hiddenFill xmlns:a14="http://schemas.microsoft.com/office/drawing/2010/main" xmlns="">
                 <a:solidFill>
                   <a:srgbClr val="FFFFFF"/>
                 </a:solidFill>
@@ -1381,14 +1381,14 @@
           <a:ln/>
           <a:extLst>
             <a:ext uri="{909E8E84-426E-40dd-AFC4-6F175D3DCCD1}">
-              <a14:hiddenFill xmlns="" xmlns:a14="http://schemas.microsoft.com/office/drawing/2010/main">
+              <a14:hiddenFill xmlns:a14="http://schemas.microsoft.com/office/drawing/2010/main" xmlns="">
                 <a:solidFill>
                   <a:srgbClr val="FFFFFF"/>
                 </a:solidFill>
               </a14:hiddenFill>
             </a:ext>
             <a:ext uri="{91240B29-F687-4f45-9708-019B960494DF}">
-              <a14:hiddenLine xmlns="" xmlns:a14="http://schemas.microsoft.com/office/drawing/2010/main" w="9525">
+              <a14:hiddenLine xmlns:a14="http://schemas.microsoft.com/office/drawing/2010/main" xmlns="" w="9525">
                 <a:solidFill>
                   <a:srgbClr val="000000"/>
                 </a:solidFill>
@@ -1474,14 +1474,14 @@
           <a:ln/>
           <a:extLst>
             <a:ext uri="{909E8E84-426E-40dd-AFC4-6F175D3DCCD1}">
-              <a14:hiddenFill xmlns="" xmlns:a14="http://schemas.microsoft.com/office/drawing/2010/main">
+              <a14:hiddenFill xmlns:a14="http://schemas.microsoft.com/office/drawing/2010/main" xmlns="">
                 <a:solidFill>
                   <a:srgbClr val="FFFFFF"/>
                 </a:solidFill>
               </a14:hiddenFill>
             </a:ext>
             <a:ext uri="{91240B29-F687-4f45-9708-019B960494DF}">
-              <a14:hiddenLine xmlns="" xmlns:a14="http://schemas.microsoft.com/office/drawing/2010/main" w="9525">
+              <a14:hiddenLine xmlns:a14="http://schemas.microsoft.com/office/drawing/2010/main" xmlns="" w="9525">
                 <a:solidFill>
                   <a:srgbClr val="000000"/>
                 </a:solidFill>
@@ -1998,7 +1998,7 @@
           </a:ln>
           <a:extLst>
             <a:ext uri="{909E8E84-426E-40dd-AFC4-6F175D3DCCD1}">
-              <a14:hiddenFill xmlns="" xmlns:a14="http://schemas.microsoft.com/office/drawing/2010/main">
+              <a14:hiddenFill xmlns:a14="http://schemas.microsoft.com/office/drawing/2010/main" xmlns="">
                 <a:solidFill>
                   <a:srgbClr val="FFFFFF"/>
                 </a:solidFill>
@@ -2022,14 +2022,14 @@
           <a:ln/>
           <a:extLst>
             <a:ext uri="{909E8E84-426E-40dd-AFC4-6F175D3DCCD1}">
-              <a14:hiddenFill xmlns="" xmlns:a14="http://schemas.microsoft.com/office/drawing/2010/main">
+              <a14:hiddenFill xmlns:a14="http://schemas.microsoft.com/office/drawing/2010/main" xmlns="">
                 <a:solidFill>
                   <a:srgbClr val="FFFFFF"/>
                 </a:solidFill>
               </a14:hiddenFill>
             </a:ext>
             <a:ext uri="{91240B29-F687-4f45-9708-019B960494DF}">
-              <a14:hiddenLine xmlns="" xmlns:a14="http://schemas.microsoft.com/office/drawing/2010/main" w="9525">
+              <a14:hiddenLine xmlns:a14="http://schemas.microsoft.com/office/drawing/2010/main" xmlns="" w="9525">
                 <a:solidFill>
                   <a:srgbClr val="000000"/>
                 </a:solidFill>
@@ -2105,14 +2105,14 @@
           <a:ln/>
           <a:extLst>
             <a:ext uri="{909E8E84-426E-40dd-AFC4-6F175D3DCCD1}">
-              <a14:hiddenFill xmlns="" xmlns:a14="http://schemas.microsoft.com/office/drawing/2010/main">
+              <a14:hiddenFill xmlns:a14="http://schemas.microsoft.com/office/drawing/2010/main" xmlns="">
                 <a:solidFill>
                   <a:srgbClr val="FFFFFF"/>
                 </a:solidFill>
               </a14:hiddenFill>
             </a:ext>
             <a:ext uri="{91240B29-F687-4f45-9708-019B960494DF}">
-              <a14:hiddenLine xmlns="" xmlns:a14="http://schemas.microsoft.com/office/drawing/2010/main" w="9525">
+              <a14:hiddenLine xmlns:a14="http://schemas.microsoft.com/office/drawing/2010/main" xmlns="" w="9525">
                 <a:solidFill>
                   <a:srgbClr val="000000"/>
                 </a:solidFill>
@@ -3020,7 +3020,7 @@
               <a:pPr>
                 <a:defRPr/>
               </a:pPr>
-              <a:t>Friday, April 3, 2020</a:t>
+              <a:t>Wednesday, April 8, 2020</a:t>
             </a:fld>
             <a:endParaRPr lang="en-US" dirty="0"/>
           </a:p>
@@ -3203,7 +3203,7 @@
               <a:pPr>
                 <a:defRPr/>
               </a:pPr>
-              <a:t>Friday, April 3, 2020</a:t>
+              <a:t>Wednesday, April 8, 2020</a:t>
             </a:fld>
             <a:endParaRPr lang="en-US" dirty="0"/>
           </a:p>
@@ -3396,7 +3396,7 @@
               <a:pPr>
                 <a:defRPr/>
               </a:pPr>
-              <a:t>Friday, April 3, 2020</a:t>
+              <a:t>Wednesday, April 8, 2020</a:t>
             </a:fld>
             <a:endParaRPr lang="en-US" dirty="0"/>
           </a:p>
@@ -3579,7 +3579,7 @@
               <a:pPr>
                 <a:defRPr/>
               </a:pPr>
-              <a:t>Friday, April 3, 2020</a:t>
+              <a:t>Wednesday, April 8, 2020</a:t>
             </a:fld>
             <a:endParaRPr lang="en-US" dirty="0"/>
           </a:p>
@@ -3839,7 +3839,7 @@
               <a:pPr>
                 <a:defRPr/>
               </a:pPr>
-              <a:t>Friday, April 3, 2020</a:t>
+              <a:t>Wednesday, April 8, 2020</a:t>
             </a:fld>
             <a:endParaRPr lang="en-US"/>
           </a:p>
@@ -4139,7 +4139,7 @@
               <a:pPr>
                 <a:defRPr/>
               </a:pPr>
-              <a:t>Friday, April 3, 2020</a:t>
+              <a:t>Wednesday, April 8, 2020</a:t>
             </a:fld>
             <a:endParaRPr lang="en-US"/>
           </a:p>
@@ -4573,7 +4573,7 @@
               <a:pPr>
                 <a:defRPr/>
               </a:pPr>
-              <a:t>Friday, April 3, 2020</a:t>
+              <a:t>Wednesday, April 8, 2020</a:t>
             </a:fld>
             <a:endParaRPr lang="en-US"/>
           </a:p>
@@ -4705,7 +4705,7 @@
               <a:pPr>
                 <a:defRPr/>
               </a:pPr>
-              <a:t>Friday, April 3, 2020</a:t>
+              <a:t>Wednesday, April 8, 2020</a:t>
             </a:fld>
             <a:endParaRPr lang="en-US"/>
           </a:p>
@@ -4815,7 +4815,7 @@
               <a:pPr>
                 <a:defRPr/>
               </a:pPr>
-              <a:t>Friday, April 3, 2020</a:t>
+              <a:t>Wednesday, April 8, 2020</a:t>
             </a:fld>
             <a:endParaRPr lang="en-US" dirty="0"/>
           </a:p>
@@ -5105,7 +5105,7 @@
               <a:pPr>
                 <a:defRPr/>
               </a:pPr>
-              <a:t>Friday, April 3, 2020</a:t>
+              <a:t>Wednesday, April 8, 2020</a:t>
             </a:fld>
             <a:endParaRPr lang="en-US"/>
           </a:p>
@@ -5372,7 +5372,7 @@
               <a:pPr>
                 <a:defRPr/>
               </a:pPr>
-              <a:t>Friday, April 3, 2020</a:t>
+              <a:t>Wednesday, April 8, 2020</a:t>
             </a:fld>
             <a:endParaRPr lang="en-US"/>
           </a:p>
@@ -5598,7 +5598,7 @@
               <a:pPr>
                 <a:defRPr/>
               </a:pPr>
-              <a:t>Friday, April 3, 2020</a:t>
+              <a:t>Wednesday, April 8, 2020</a:t>
             </a:fld>
             <a:endParaRPr lang="en-US" dirty="0"/>
           </a:p>

--- a/ClassMaterials/RecursionIntroduction/Slides/Recursion.pptx
+++ b/ClassMaterials/RecursionIntroduction/Slides/Recursion.pptx
@@ -283,7 +283,7 @@
               <a:pPr>
                 <a:defRPr/>
               </a:pPr>
-              <a:t>4/8/2020</a:t>
+              <a:t>2/24/22</a:t>
             </a:fld>
             <a:endParaRPr lang="en-US"/>
           </a:p>
@@ -518,7 +518,7 @@
               <a:pPr>
                 <a:defRPr/>
               </a:pPr>
-              <a:t>4/8/2020</a:t>
+              <a:t>2/24/22</a:t>
             </a:fld>
             <a:endParaRPr lang="en-US"/>
           </a:p>
@@ -929,7 +929,7 @@
               <a:t>Bring hardcopy of code from </a:t>
             </a:r>
             <a:r>
-              <a:rPr lang="en-US" smtClean="0"/>
+              <a:rPr lang="en-US"/>
               <a:t>RecursionInClassPracticeSolution</a:t>
             </a:r>
             <a:r>
@@ -1098,7 +1098,7 @@
           </a:ln>
           <a:extLst>
             <a:ext uri="{909E8E84-426E-40dd-AFC4-6F175D3DCCD1}">
-              <a14:hiddenFill xmlns:a14="http://schemas.microsoft.com/office/drawing/2010/main" xmlns="">
+              <a14:hiddenFill xmlns="" xmlns:a14="http://schemas.microsoft.com/office/drawing/2010/main">
                 <a:solidFill>
                   <a:srgbClr val="FFFFFF"/>
                 </a:solidFill>
@@ -1122,14 +1122,14 @@
           <a:ln/>
           <a:extLst>
             <a:ext uri="{909E8E84-426E-40dd-AFC4-6F175D3DCCD1}">
-              <a14:hiddenFill xmlns:a14="http://schemas.microsoft.com/office/drawing/2010/main" xmlns="">
+              <a14:hiddenFill xmlns="" xmlns:a14="http://schemas.microsoft.com/office/drawing/2010/main">
                 <a:solidFill>
                   <a:srgbClr val="FFFFFF"/>
                 </a:solidFill>
               </a14:hiddenFill>
             </a:ext>
             <a:ext uri="{91240B29-F687-4f45-9708-019B960494DF}">
-              <a14:hiddenLine xmlns:a14="http://schemas.microsoft.com/office/drawing/2010/main" xmlns="" w="9525">
+              <a14:hiddenLine xmlns="" xmlns:a14="http://schemas.microsoft.com/office/drawing/2010/main" w="9525">
                 <a:solidFill>
                   <a:srgbClr val="000000"/>
                 </a:solidFill>
@@ -1163,14 +1163,14 @@
           <a:ln/>
           <a:extLst>
             <a:ext uri="{909E8E84-426E-40dd-AFC4-6F175D3DCCD1}">
-              <a14:hiddenFill xmlns:a14="http://schemas.microsoft.com/office/drawing/2010/main" xmlns="">
+              <a14:hiddenFill xmlns="" xmlns:a14="http://schemas.microsoft.com/office/drawing/2010/main">
                 <a:solidFill>
                   <a:srgbClr val="FFFFFF"/>
                 </a:solidFill>
               </a14:hiddenFill>
             </a:ext>
             <a:ext uri="{91240B29-F687-4f45-9708-019B960494DF}">
-              <a14:hiddenLine xmlns:a14="http://schemas.microsoft.com/office/drawing/2010/main" xmlns="" w="9525">
+              <a14:hiddenLine xmlns="" xmlns:a14="http://schemas.microsoft.com/office/drawing/2010/main" w="9525">
                 <a:solidFill>
                   <a:srgbClr val="000000"/>
                 </a:solidFill>
@@ -1357,7 +1357,7 @@
           </a:ln>
           <a:extLst>
             <a:ext uri="{909E8E84-426E-40dd-AFC4-6F175D3DCCD1}">
-              <a14:hiddenFill xmlns:a14="http://schemas.microsoft.com/office/drawing/2010/main" xmlns="">
+              <a14:hiddenFill xmlns="" xmlns:a14="http://schemas.microsoft.com/office/drawing/2010/main">
                 <a:solidFill>
                   <a:srgbClr val="FFFFFF"/>
                 </a:solidFill>
@@ -1381,14 +1381,14 @@
           <a:ln/>
           <a:extLst>
             <a:ext uri="{909E8E84-426E-40dd-AFC4-6F175D3DCCD1}">
-              <a14:hiddenFill xmlns:a14="http://schemas.microsoft.com/office/drawing/2010/main" xmlns="">
+              <a14:hiddenFill xmlns="" xmlns:a14="http://schemas.microsoft.com/office/drawing/2010/main">
                 <a:solidFill>
                   <a:srgbClr val="FFFFFF"/>
                 </a:solidFill>
               </a14:hiddenFill>
             </a:ext>
             <a:ext uri="{91240B29-F687-4f45-9708-019B960494DF}">
-              <a14:hiddenLine xmlns:a14="http://schemas.microsoft.com/office/drawing/2010/main" xmlns="" w="9525">
+              <a14:hiddenLine xmlns="" xmlns:a14="http://schemas.microsoft.com/office/drawing/2010/main" w="9525">
                 <a:solidFill>
                   <a:srgbClr val="000000"/>
                 </a:solidFill>
@@ -1474,14 +1474,14 @@
           <a:ln/>
           <a:extLst>
             <a:ext uri="{909E8E84-426E-40dd-AFC4-6F175D3DCCD1}">
-              <a14:hiddenFill xmlns:a14="http://schemas.microsoft.com/office/drawing/2010/main" xmlns="">
+              <a14:hiddenFill xmlns="" xmlns:a14="http://schemas.microsoft.com/office/drawing/2010/main">
                 <a:solidFill>
                   <a:srgbClr val="FFFFFF"/>
                 </a:solidFill>
               </a14:hiddenFill>
             </a:ext>
             <a:ext uri="{91240B29-F687-4f45-9708-019B960494DF}">
-              <a14:hiddenLine xmlns:a14="http://schemas.microsoft.com/office/drawing/2010/main" xmlns="" w="9525">
+              <a14:hiddenLine xmlns="" xmlns:a14="http://schemas.microsoft.com/office/drawing/2010/main" w="9525">
                 <a:solidFill>
                   <a:srgbClr val="000000"/>
                 </a:solidFill>
@@ -1998,7 +1998,7 @@
           </a:ln>
           <a:extLst>
             <a:ext uri="{909E8E84-426E-40dd-AFC4-6F175D3DCCD1}">
-              <a14:hiddenFill xmlns:a14="http://schemas.microsoft.com/office/drawing/2010/main" xmlns="">
+              <a14:hiddenFill xmlns="" xmlns:a14="http://schemas.microsoft.com/office/drawing/2010/main">
                 <a:solidFill>
                   <a:srgbClr val="FFFFFF"/>
                 </a:solidFill>
@@ -2022,14 +2022,14 @@
           <a:ln/>
           <a:extLst>
             <a:ext uri="{909E8E84-426E-40dd-AFC4-6F175D3DCCD1}">
-              <a14:hiddenFill xmlns:a14="http://schemas.microsoft.com/office/drawing/2010/main" xmlns="">
+              <a14:hiddenFill xmlns="" xmlns:a14="http://schemas.microsoft.com/office/drawing/2010/main">
                 <a:solidFill>
                   <a:srgbClr val="FFFFFF"/>
                 </a:solidFill>
               </a14:hiddenFill>
             </a:ext>
             <a:ext uri="{91240B29-F687-4f45-9708-019B960494DF}">
-              <a14:hiddenLine xmlns:a14="http://schemas.microsoft.com/office/drawing/2010/main" xmlns="" w="9525">
+              <a14:hiddenLine xmlns="" xmlns:a14="http://schemas.microsoft.com/office/drawing/2010/main" w="9525">
                 <a:solidFill>
                   <a:srgbClr val="000000"/>
                 </a:solidFill>
@@ -2105,14 +2105,14 @@
           <a:ln/>
           <a:extLst>
             <a:ext uri="{909E8E84-426E-40dd-AFC4-6F175D3DCCD1}">
-              <a14:hiddenFill xmlns:a14="http://schemas.microsoft.com/office/drawing/2010/main" xmlns="">
+              <a14:hiddenFill xmlns="" xmlns:a14="http://schemas.microsoft.com/office/drawing/2010/main">
                 <a:solidFill>
                   <a:srgbClr val="FFFFFF"/>
                 </a:solidFill>
               </a14:hiddenFill>
             </a:ext>
             <a:ext uri="{91240B29-F687-4f45-9708-019B960494DF}">
-              <a14:hiddenLine xmlns:a14="http://schemas.microsoft.com/office/drawing/2010/main" xmlns="" w="9525">
+              <a14:hiddenLine xmlns="" xmlns:a14="http://schemas.microsoft.com/office/drawing/2010/main" w="9525">
                 <a:solidFill>
                   <a:srgbClr val="000000"/>
                 </a:solidFill>
@@ -3020,7 +3020,7 @@
               <a:pPr>
                 <a:defRPr/>
               </a:pPr>
-              <a:t>Wednesday, April 8, 2020</a:t>
+              <a:t>Thursday, February 24, 2022</a:t>
             </a:fld>
             <a:endParaRPr lang="en-US" dirty="0"/>
           </a:p>
@@ -3203,7 +3203,7 @@
               <a:pPr>
                 <a:defRPr/>
               </a:pPr>
-              <a:t>Wednesday, April 8, 2020</a:t>
+              <a:t>Thursday, February 24, 2022</a:t>
             </a:fld>
             <a:endParaRPr lang="en-US" dirty="0"/>
           </a:p>
@@ -3396,7 +3396,7 @@
               <a:pPr>
                 <a:defRPr/>
               </a:pPr>
-              <a:t>Wednesday, April 8, 2020</a:t>
+              <a:t>Thursday, February 24, 2022</a:t>
             </a:fld>
             <a:endParaRPr lang="en-US" dirty="0"/>
           </a:p>
@@ -3579,7 +3579,7 @@
               <a:pPr>
                 <a:defRPr/>
               </a:pPr>
-              <a:t>Wednesday, April 8, 2020</a:t>
+              <a:t>Thursday, February 24, 2022</a:t>
             </a:fld>
             <a:endParaRPr lang="en-US" dirty="0"/>
           </a:p>
@@ -3839,7 +3839,7 @@
               <a:pPr>
                 <a:defRPr/>
               </a:pPr>
-              <a:t>Wednesday, April 8, 2020</a:t>
+              <a:t>Thursday, February 24, 2022</a:t>
             </a:fld>
             <a:endParaRPr lang="en-US"/>
           </a:p>
@@ -4139,7 +4139,7 @@
               <a:pPr>
                 <a:defRPr/>
               </a:pPr>
-              <a:t>Wednesday, April 8, 2020</a:t>
+              <a:t>Thursday, February 24, 2022</a:t>
             </a:fld>
             <a:endParaRPr lang="en-US"/>
           </a:p>
@@ -4573,7 +4573,7 @@
               <a:pPr>
                 <a:defRPr/>
               </a:pPr>
-              <a:t>Wednesday, April 8, 2020</a:t>
+              <a:t>Thursday, February 24, 2022</a:t>
             </a:fld>
             <a:endParaRPr lang="en-US"/>
           </a:p>
@@ -4705,7 +4705,7 @@
               <a:pPr>
                 <a:defRPr/>
               </a:pPr>
-              <a:t>Wednesday, April 8, 2020</a:t>
+              <a:t>Thursday, February 24, 2022</a:t>
             </a:fld>
             <a:endParaRPr lang="en-US"/>
           </a:p>
@@ -4815,7 +4815,7 @@
               <a:pPr>
                 <a:defRPr/>
               </a:pPr>
-              <a:t>Wednesday, April 8, 2020</a:t>
+              <a:t>Thursday, February 24, 2022</a:t>
             </a:fld>
             <a:endParaRPr lang="en-US" dirty="0"/>
           </a:p>
@@ -5105,7 +5105,7 @@
               <a:pPr>
                 <a:defRPr/>
               </a:pPr>
-              <a:t>Wednesday, April 8, 2020</a:t>
+              <a:t>Thursday, February 24, 2022</a:t>
             </a:fld>
             <a:endParaRPr lang="en-US"/>
           </a:p>
@@ -5372,7 +5372,7 @@
               <a:pPr>
                 <a:defRPr/>
               </a:pPr>
-              <a:t>Wednesday, April 8, 2020</a:t>
+              <a:t>Thursday, February 24, 2022</a:t>
             </a:fld>
             <a:endParaRPr lang="en-US"/>
           </a:p>
@@ -5598,7 +5598,7 @@
               <a:pPr>
                 <a:defRPr/>
               </a:pPr>
-              <a:t>Wednesday, April 8, 2020</a:t>
+              <a:t>Thursday, February 24, 2022</a:t>
             </a:fld>
             <a:endParaRPr lang="en-US" dirty="0"/>
           </a:p>
@@ -5999,8 +5999,8 @@
         </p:blipFill>
         <p:spPr bwMode="auto">
           <a:xfrm>
-            <a:off x="285750" y="457200"/>
-            <a:ext cx="3676650" cy="5637213"/>
+            <a:off x="285750" y="457201"/>
+            <a:ext cx="2990850" cy="4585712"/>
           </a:xfrm>
           <a:prstGeom prst="rect">
             <a:avLst/>
@@ -6081,60 +6081,94 @@
       </p:sp>
       <p:sp>
         <p:nvSpPr>
-          <p:cNvPr id="4" name="TextBox 3"/>
-          <p:cNvSpPr txBox="1"/>
+          <p:cNvPr id="6" name="Rectangle 5">
+            <a:extLst>
+              <a:ext uri="{FF2B5EF4-FFF2-40B4-BE49-F238E27FC236}">
+                <a16:creationId xmlns:a16="http://schemas.microsoft.com/office/drawing/2014/main" id="{B3F83288-9053-E542-9E07-44EBA709E592}"/>
+              </a:ext>
+            </a:extLst>
+          </p:cNvPr>
+          <p:cNvSpPr/>
           <p:nvPr/>
         </p:nvSpPr>
         <p:spPr>
           <a:xfrm>
-            <a:off x="285750" y="6242050"/>
-            <a:ext cx="8401050" cy="523220"/>
+            <a:off x="304800" y="5241924"/>
+            <a:ext cx="8534400" cy="1295400"/>
           </a:xfrm>
           <a:prstGeom prst="rect">
             <a:avLst/>
           </a:prstGeom>
+          <a:solidFill>
+            <a:schemeClr val="accent3"/>
+          </a:solidFill>
         </p:spPr>
         <p:style>
           <a:lnRef idx="2">
-            <a:schemeClr val="accent4">
+            <a:schemeClr val="accent3">
               <a:shade val="50000"/>
             </a:schemeClr>
           </a:lnRef>
           <a:fillRef idx="1">
-            <a:schemeClr val="accent4"/>
+            <a:schemeClr val="accent3"/>
           </a:fillRef>
           <a:effectRef idx="0">
-            <a:schemeClr val="accent4"/>
+            <a:schemeClr val="accent3"/>
           </a:effectRef>
           <a:fontRef idx="minor">
             <a:schemeClr val="lt1"/>
           </a:fontRef>
         </p:style>
         <p:txBody>
-          <a:bodyPr wrap="square">
-            <a:spAutoFit/>
-          </a:bodyPr>
+          <a:bodyPr rtlCol="0" anchor="ctr"/>
           <a:lstStyle/>
           <a:p>
-            <a:pPr>
-              <a:defRPr/>
+            <a:r>
+              <a:rPr lang="en-US" sz="2400" dirty="0">
+                <a:solidFill>
+                  <a:srgbClr val="FFFFFF"/>
+                </a:solidFill>
+              </a:rPr>
+              <a:t>The </a:t>
+            </a:r>
+            <a:r>
+              <a:rPr lang="en-US" sz="2400" i="1" dirty="0">
+                <a:solidFill>
+                  <a:srgbClr val="FFFFFF"/>
+                </a:solidFill>
+              </a:rPr>
+              <a:t>git</a:t>
+            </a:r>
+            <a:r>
+              <a:rPr lang="en-US" sz="2400" dirty="0">
+                <a:solidFill>
+                  <a:srgbClr val="FFFFFF"/>
+                </a:solidFill>
+              </a:rPr>
+              <a:t> projects for today are:</a:t>
+            </a:r>
+          </a:p>
+          <a:p>
+            <a:pPr marL="342900" indent="-342900">
+              <a:buFont typeface="Arial" panose="020B0604020202020204" pitchFamily="34" charset="0"/>
+              <a:buChar char="•"/>
             </a:pPr>
             <a:r>
-              <a:rPr lang="en-US" sz="2800" dirty="0"/>
-              <a:t>Import </a:t>
-            </a:r>
-            <a:r>
-              <a:rPr lang="en-US" sz="2800" i="1" dirty="0" err="1" smtClean="0"/>
-              <a:t>RecursionInClassPractice</a:t>
-            </a:r>
-            <a:r>
-              <a:rPr lang="en-US" sz="2800" dirty="0" smtClean="0"/>
-              <a:t> </a:t>
-            </a:r>
-            <a:r>
-              <a:rPr lang="en-US" sz="2800" dirty="0"/>
-              <a:t>project from the repo</a:t>
-            </a:r>
+              <a:rPr lang="en-US" sz="2400" i="1" dirty="0" err="1"/>
+              <a:t>PracticeRecursion</a:t>
+            </a:r>
+            <a:endParaRPr lang="en-US" sz="2400" i="1" dirty="0"/>
+          </a:p>
+          <a:p>
+            <a:pPr marL="342900" indent="-342900">
+              <a:buFont typeface="Arial" panose="020B0604020202020204" pitchFamily="34" charset="0"/>
+              <a:buChar char="•"/>
+            </a:pPr>
+            <a:r>
+              <a:rPr lang="en-US" sz="2400" i="1" dirty="0" err="1"/>
+              <a:t>PracticeRecursionSolution</a:t>
+            </a:r>
+            <a:endParaRPr lang="en-US" sz="2400" i="1" dirty="0"/>
           </a:p>
         </p:txBody>
       </p:sp>
@@ -6320,10 +6354,6 @@
             <a:r>
               <a:rPr lang="en-US" b="1" dirty="0"/>
               <a:t>occurs repeatedly </a:t>
-            </a:r>
-            <a:r>
-              <a:rPr lang="en-US" dirty="0"/>
-              <a:t/>
             </a:r>
             <a:br>
               <a:rPr lang="en-US" dirty="0"/>

--- a/ClassMaterials/RecursionIntroduction/Slides/Recursion.pptx
+++ b/ClassMaterials/RecursionIntroduction/Slides/Recursion.pptx
@@ -15,9 +15,9 @@
     <p:sldId id="388" r:id="rId3"/>
     <p:sldId id="400" r:id="rId4"/>
     <p:sldId id="379" r:id="rId5"/>
-    <p:sldId id="378" r:id="rId6"/>
+    <p:sldId id="401" r:id="rId6"/>
     <p:sldId id="372" r:id="rId7"/>
-    <p:sldId id="385" r:id="rId8"/>
+    <p:sldId id="402" r:id="rId8"/>
     <p:sldId id="389" r:id="rId9"/>
   </p:sldIdLst>
   <p:sldSz cx="9144000" cy="6858000" type="screen4x3"/>
@@ -283,7 +283,7 @@
               <a:pPr>
                 <a:defRPr/>
               </a:pPr>
-              <a:t>2/24/22</a:t>
+              <a:t>3/1/22</a:t>
             </a:fld>
             <a:endParaRPr lang="en-US"/>
           </a:p>
@@ -518,7 +518,7 @@
               <a:pPr>
                 <a:defRPr/>
               </a:pPr>
-              <a:t>2/24/22</a:t>
+              <a:t>3/1/22</a:t>
             </a:fld>
             <a:endParaRPr lang="en-US"/>
           </a:p>
@@ -1098,7 +1098,7 @@
           </a:ln>
           <a:extLst>
             <a:ext uri="{909E8E84-426E-40dd-AFC4-6F175D3DCCD1}">
-              <a14:hiddenFill xmlns="" xmlns:a14="http://schemas.microsoft.com/office/drawing/2010/main">
+              <a14:hiddenFill xmlns:a14="http://schemas.microsoft.com/office/drawing/2010/main" xmlns="">
                 <a:solidFill>
                   <a:srgbClr val="FFFFFF"/>
                 </a:solidFill>
@@ -1122,14 +1122,14 @@
           <a:ln/>
           <a:extLst>
             <a:ext uri="{909E8E84-426E-40dd-AFC4-6F175D3DCCD1}">
-              <a14:hiddenFill xmlns="" xmlns:a14="http://schemas.microsoft.com/office/drawing/2010/main">
+              <a14:hiddenFill xmlns:a14="http://schemas.microsoft.com/office/drawing/2010/main" xmlns="">
                 <a:solidFill>
                   <a:srgbClr val="FFFFFF"/>
                 </a:solidFill>
               </a14:hiddenFill>
             </a:ext>
             <a:ext uri="{91240B29-F687-4f45-9708-019B960494DF}">
-              <a14:hiddenLine xmlns="" xmlns:a14="http://schemas.microsoft.com/office/drawing/2010/main" w="9525">
+              <a14:hiddenLine xmlns:a14="http://schemas.microsoft.com/office/drawing/2010/main" xmlns="" w="9525">
                 <a:solidFill>
                   <a:srgbClr val="000000"/>
                 </a:solidFill>
@@ -1163,14 +1163,14 @@
           <a:ln/>
           <a:extLst>
             <a:ext uri="{909E8E84-426E-40dd-AFC4-6F175D3DCCD1}">
-              <a14:hiddenFill xmlns="" xmlns:a14="http://schemas.microsoft.com/office/drawing/2010/main">
+              <a14:hiddenFill xmlns:a14="http://schemas.microsoft.com/office/drawing/2010/main" xmlns="">
                 <a:solidFill>
                   <a:srgbClr val="FFFFFF"/>
                 </a:solidFill>
               </a14:hiddenFill>
             </a:ext>
             <a:ext uri="{91240B29-F687-4f45-9708-019B960494DF}">
-              <a14:hiddenLine xmlns="" xmlns:a14="http://schemas.microsoft.com/office/drawing/2010/main" w="9525">
+              <a14:hiddenLine xmlns:a14="http://schemas.microsoft.com/office/drawing/2010/main" xmlns="" w="9525">
                 <a:solidFill>
                   <a:srgbClr val="000000"/>
                 </a:solidFill>
@@ -1357,7 +1357,7 @@
           </a:ln>
           <a:extLst>
             <a:ext uri="{909E8E84-426E-40dd-AFC4-6F175D3DCCD1}">
-              <a14:hiddenFill xmlns="" xmlns:a14="http://schemas.microsoft.com/office/drawing/2010/main">
+              <a14:hiddenFill xmlns:a14="http://schemas.microsoft.com/office/drawing/2010/main" xmlns="">
                 <a:solidFill>
                   <a:srgbClr val="FFFFFF"/>
                 </a:solidFill>
@@ -1381,14 +1381,14 @@
           <a:ln/>
           <a:extLst>
             <a:ext uri="{909E8E84-426E-40dd-AFC4-6F175D3DCCD1}">
-              <a14:hiddenFill xmlns="" xmlns:a14="http://schemas.microsoft.com/office/drawing/2010/main">
+              <a14:hiddenFill xmlns:a14="http://schemas.microsoft.com/office/drawing/2010/main" xmlns="">
                 <a:solidFill>
                   <a:srgbClr val="FFFFFF"/>
                 </a:solidFill>
               </a14:hiddenFill>
             </a:ext>
             <a:ext uri="{91240B29-F687-4f45-9708-019B960494DF}">
-              <a14:hiddenLine xmlns="" xmlns:a14="http://schemas.microsoft.com/office/drawing/2010/main" w="9525">
+              <a14:hiddenLine xmlns:a14="http://schemas.microsoft.com/office/drawing/2010/main" xmlns="" w="9525">
                 <a:solidFill>
                   <a:srgbClr val="000000"/>
                 </a:solidFill>
@@ -1474,14 +1474,14 @@
           <a:ln/>
           <a:extLst>
             <a:ext uri="{909E8E84-426E-40dd-AFC4-6F175D3DCCD1}">
-              <a14:hiddenFill xmlns="" xmlns:a14="http://schemas.microsoft.com/office/drawing/2010/main">
+              <a14:hiddenFill xmlns:a14="http://schemas.microsoft.com/office/drawing/2010/main" xmlns="">
                 <a:solidFill>
                   <a:srgbClr val="FFFFFF"/>
                 </a:solidFill>
               </a14:hiddenFill>
             </a:ext>
             <a:ext uri="{91240B29-F687-4f45-9708-019B960494DF}">
-              <a14:hiddenLine xmlns="" xmlns:a14="http://schemas.microsoft.com/office/drawing/2010/main" w="9525">
+              <a14:hiddenLine xmlns:a14="http://schemas.microsoft.com/office/drawing/2010/main" xmlns="" w="9525">
                 <a:solidFill>
                   <a:srgbClr val="000000"/>
                 </a:solidFill>
@@ -1998,7 +1998,7 @@
           </a:ln>
           <a:extLst>
             <a:ext uri="{909E8E84-426E-40dd-AFC4-6F175D3DCCD1}">
-              <a14:hiddenFill xmlns="" xmlns:a14="http://schemas.microsoft.com/office/drawing/2010/main">
+              <a14:hiddenFill xmlns:a14="http://schemas.microsoft.com/office/drawing/2010/main" xmlns="">
                 <a:solidFill>
                   <a:srgbClr val="FFFFFF"/>
                 </a:solidFill>
@@ -2022,14 +2022,14 @@
           <a:ln/>
           <a:extLst>
             <a:ext uri="{909E8E84-426E-40dd-AFC4-6F175D3DCCD1}">
-              <a14:hiddenFill xmlns="" xmlns:a14="http://schemas.microsoft.com/office/drawing/2010/main">
+              <a14:hiddenFill xmlns:a14="http://schemas.microsoft.com/office/drawing/2010/main" xmlns="">
                 <a:solidFill>
                   <a:srgbClr val="FFFFFF"/>
                 </a:solidFill>
               </a14:hiddenFill>
             </a:ext>
             <a:ext uri="{91240B29-F687-4f45-9708-019B960494DF}">
-              <a14:hiddenLine xmlns="" xmlns:a14="http://schemas.microsoft.com/office/drawing/2010/main" w="9525">
+              <a14:hiddenLine xmlns:a14="http://schemas.microsoft.com/office/drawing/2010/main" xmlns="" w="9525">
                 <a:solidFill>
                   <a:srgbClr val="000000"/>
                 </a:solidFill>
@@ -2105,14 +2105,14 @@
           <a:ln/>
           <a:extLst>
             <a:ext uri="{909E8E84-426E-40dd-AFC4-6F175D3DCCD1}">
-              <a14:hiddenFill xmlns="" xmlns:a14="http://schemas.microsoft.com/office/drawing/2010/main">
+              <a14:hiddenFill xmlns:a14="http://schemas.microsoft.com/office/drawing/2010/main" xmlns="">
                 <a:solidFill>
                   <a:srgbClr val="FFFFFF"/>
                 </a:solidFill>
               </a14:hiddenFill>
             </a:ext>
             <a:ext uri="{91240B29-F687-4f45-9708-019B960494DF}">
-              <a14:hiddenLine xmlns="" xmlns:a14="http://schemas.microsoft.com/office/drawing/2010/main" w="9525">
+              <a14:hiddenLine xmlns:a14="http://schemas.microsoft.com/office/drawing/2010/main" xmlns="" w="9525">
                 <a:solidFill>
                   <a:srgbClr val="000000"/>
                 </a:solidFill>
@@ -3020,7 +3020,7 @@
               <a:pPr>
                 <a:defRPr/>
               </a:pPr>
-              <a:t>Thursday, February 24, 2022</a:t>
+              <a:t>Tuesday, March 1, 2022</a:t>
             </a:fld>
             <a:endParaRPr lang="en-US" dirty="0"/>
           </a:p>
@@ -3203,7 +3203,7 @@
               <a:pPr>
                 <a:defRPr/>
               </a:pPr>
-              <a:t>Thursday, February 24, 2022</a:t>
+              <a:t>Tuesday, March 1, 2022</a:t>
             </a:fld>
             <a:endParaRPr lang="en-US" dirty="0"/>
           </a:p>
@@ -3396,7 +3396,7 @@
               <a:pPr>
                 <a:defRPr/>
               </a:pPr>
-              <a:t>Thursday, February 24, 2022</a:t>
+              <a:t>Tuesday, March 1, 2022</a:t>
             </a:fld>
             <a:endParaRPr lang="en-US" dirty="0"/>
           </a:p>
@@ -3579,7 +3579,7 @@
               <a:pPr>
                 <a:defRPr/>
               </a:pPr>
-              <a:t>Thursday, February 24, 2022</a:t>
+              <a:t>Tuesday, March 1, 2022</a:t>
             </a:fld>
             <a:endParaRPr lang="en-US" dirty="0"/>
           </a:p>
@@ -3839,7 +3839,7 @@
               <a:pPr>
                 <a:defRPr/>
               </a:pPr>
-              <a:t>Thursday, February 24, 2022</a:t>
+              <a:t>Tuesday, March 1, 2022</a:t>
             </a:fld>
             <a:endParaRPr lang="en-US"/>
           </a:p>
@@ -4139,7 +4139,7 @@
               <a:pPr>
                 <a:defRPr/>
               </a:pPr>
-              <a:t>Thursday, February 24, 2022</a:t>
+              <a:t>Tuesday, March 1, 2022</a:t>
             </a:fld>
             <a:endParaRPr lang="en-US"/>
           </a:p>
@@ -4573,7 +4573,7 @@
               <a:pPr>
                 <a:defRPr/>
               </a:pPr>
-              <a:t>Thursday, February 24, 2022</a:t>
+              <a:t>Tuesday, March 1, 2022</a:t>
             </a:fld>
             <a:endParaRPr lang="en-US"/>
           </a:p>
@@ -4705,7 +4705,7 @@
               <a:pPr>
                 <a:defRPr/>
               </a:pPr>
-              <a:t>Thursday, February 24, 2022</a:t>
+              <a:t>Tuesday, March 1, 2022</a:t>
             </a:fld>
             <a:endParaRPr lang="en-US"/>
           </a:p>
@@ -4815,7 +4815,7 @@
               <a:pPr>
                 <a:defRPr/>
               </a:pPr>
-              <a:t>Thursday, February 24, 2022</a:t>
+              <a:t>Tuesday, March 1, 2022</a:t>
             </a:fld>
             <a:endParaRPr lang="en-US" dirty="0"/>
           </a:p>
@@ -5105,7 +5105,7 @@
               <a:pPr>
                 <a:defRPr/>
               </a:pPr>
-              <a:t>Thursday, February 24, 2022</a:t>
+              <a:t>Tuesday, March 1, 2022</a:t>
             </a:fld>
             <a:endParaRPr lang="en-US"/>
           </a:p>
@@ -5372,7 +5372,7 @@
               <a:pPr>
                 <a:defRPr/>
               </a:pPr>
-              <a:t>Thursday, February 24, 2022</a:t>
+              <a:t>Tuesday, March 1, 2022</a:t>
             </a:fld>
             <a:endParaRPr lang="en-US"/>
           </a:p>
@@ -5598,7 +5598,7 @@
               <a:pPr>
                 <a:defRPr/>
               </a:pPr>
-              <a:t>Thursday, February 24, 2022</a:t>
+              <a:t>Tuesday, March 1, 2022</a:t>
             </a:fld>
             <a:endParaRPr lang="en-US" dirty="0"/>
           </a:p>
@@ -8110,7 +8110,7 @@
               <a:defRPr/>
             </a:pPr>
             <a:r>
-              <a:rPr lang="en-US" dirty="0"/>
+              <a:rPr lang="en-US"/>
               <a:t>Key Rules to Using Recursion</a:t>
             </a:r>
           </a:p>
@@ -8126,9 +8126,16 @@
             <p:ph idx="1"/>
           </p:nvPr>
         </p:nvSpPr>
-        <p:spPr/>
-        <p:txBody>
-          <a:bodyPr/>
+        <p:spPr>
+          <a:xfrm>
+            <a:off x="457200" y="1219200"/>
+            <a:ext cx="8229600" cy="5257800"/>
+          </a:xfrm>
+        </p:spPr>
+        <p:txBody>
+          <a:bodyPr>
+            <a:normAutofit fontScale="92500" lnSpcReduction="10000"/>
+          </a:bodyPr>
           <a:lstStyle/>
           <a:p>
             <a:pPr>
@@ -8158,21 +8165,16 @@
                   <a:schemeClr val="accent3"/>
                 </a:solidFill>
               </a:rPr>
-              <a:t>doesn’t </a:t>
-            </a:r>
-            <a:r>
-              <a:rPr lang="en-US" b="1" dirty="0" err="1">
-                <a:solidFill>
-                  <a:schemeClr val="accent3"/>
-                </a:solidFill>
-              </a:rPr>
-              <a:t>recurse</a:t>
-            </a:r>
-            <a:endParaRPr lang="en-US" b="1" dirty="0">
-              <a:solidFill>
-                <a:schemeClr val="accent3"/>
-              </a:solidFill>
-            </a:endParaRPr>
+              <a:t>doesn’t recurse</a:t>
+            </a:r>
+            <a:r>
+              <a:rPr lang="en-US" b="1" dirty="0"/>
+              <a:t>, </a:t>
+            </a:r>
+            <a:r>
+              <a:rPr lang="en-US" sz="2600" b="1" dirty="0"/>
+              <a:t>where the answer is so simple the operation can just return the answer with no computation required</a:t>
+            </a:r>
           </a:p>
           <a:p>
             <a:pPr>
@@ -8261,7 +8263,7 @@
                   <a:schemeClr val="accent3"/>
                 </a:solidFill>
               </a:rPr>
-              <a:t> believe</a:t>
+              <a:t> believe that the base case will be reached</a:t>
             </a:r>
           </a:p>
           <a:p>
@@ -9755,7 +9757,7 @@
               <a:defRPr/>
             </a:pPr>
             <a:r>
-              <a:rPr lang="en-US" dirty="0"/>
+              <a:rPr lang="en-US"/>
               <a:t>Programming Problem</a:t>
             </a:r>
           </a:p>
@@ -9774,16 +9776,117 @@
         <p:spPr>
           <a:xfrm>
             <a:off x="457200" y="1481138"/>
-            <a:ext cx="4038600" cy="4525962"/>
+            <a:ext cx="8229600" cy="4525962"/>
           </a:xfrm>
         </p:spPr>
         <p:txBody>
-          <a:bodyPr/>
+          <a:bodyPr>
+            <a:normAutofit/>
+          </a:bodyPr>
           <a:lstStyle/>
           <a:p>
-            <a:r>
-              <a:rPr lang="en-US"/>
-              <a:t>Add a recursive method to Sentence for computing whether Sentence is a palindrome</a:t>
+            <a:pPr marL="0" indent="0">
+              <a:buNone/>
+            </a:pPr>
+            <a:r>
+              <a:rPr lang="en-US" dirty="0"/>
+              <a:t>Add a recursive method called </a:t>
+            </a:r>
+            <a:r>
+              <a:rPr lang="en-US" i="1" dirty="0" err="1"/>
+              <a:t>isPalindrome</a:t>
+            </a:r>
+            <a:r>
+              <a:rPr lang="en-US" dirty="0"/>
+              <a:t> to Sentence for computing whether Sentence is a palindrome</a:t>
+            </a:r>
+          </a:p>
+          <a:p>
+            <a:pPr marL="0" indent="0">
+              <a:buNone/>
+            </a:pPr>
+            <a:r>
+              <a:rPr lang="en-US" sz="2200" dirty="0">
+                <a:latin typeface="Courier New" panose="02070309020205020404" pitchFamily="49" charset="0"/>
+                <a:cs typeface="Courier New" panose="02070309020205020404" pitchFamily="49" charset="0"/>
+              </a:rPr>
+              <a:t>{</a:t>
+            </a:r>
+          </a:p>
+          <a:p>
+            <a:pPr marL="0" indent="0">
+              <a:buNone/>
+            </a:pPr>
+            <a:r>
+              <a:rPr lang="en-US" sz="2200" dirty="0">
+                <a:latin typeface="Courier New" panose="02070309020205020404" pitchFamily="49" charset="0"/>
+                <a:cs typeface="Courier New" panose="02070309020205020404" pitchFamily="49" charset="0"/>
+              </a:rPr>
+              <a:t>   Sentence s1 = </a:t>
+            </a:r>
+          </a:p>
+          <a:p>
+            <a:pPr marL="0" indent="0">
+              <a:buNone/>
+            </a:pPr>
+            <a:r>
+              <a:rPr lang="en-US" sz="2200" dirty="0">
+                <a:latin typeface="Courier New" panose="02070309020205020404" pitchFamily="49" charset="0"/>
+                <a:cs typeface="Courier New" panose="02070309020205020404" pitchFamily="49" charset="0"/>
+              </a:rPr>
+              <a:t>	</a:t>
+            </a:r>
+            <a:r>
+              <a:rPr lang="en-US" sz="2200" b="1" dirty="0">
+                <a:latin typeface="Courier New" panose="02070309020205020404" pitchFamily="49" charset="0"/>
+                <a:cs typeface="Courier New" panose="02070309020205020404" pitchFamily="49" charset="0"/>
+              </a:rPr>
+              <a:t>new</a:t>
+            </a:r>
+            <a:r>
+              <a:rPr lang="en-US" sz="2200" dirty="0">
+                <a:latin typeface="Courier New" panose="02070309020205020404" pitchFamily="49" charset="0"/>
+                <a:cs typeface="Courier New" panose="02070309020205020404" pitchFamily="49" charset="0"/>
+              </a:rPr>
+              <a:t> Sentence("A nut for a jar of tuna");</a:t>
+            </a:r>
+          </a:p>
+          <a:p>
+            <a:pPr marL="0" indent="0">
+              <a:buNone/>
+            </a:pPr>
+            <a:r>
+              <a:rPr lang="en-US" sz="2200" dirty="0">
+                <a:latin typeface="Courier New" panose="02070309020205020404" pitchFamily="49" charset="0"/>
+                <a:cs typeface="Courier New" panose="02070309020205020404" pitchFamily="49" charset="0"/>
+              </a:rPr>
+              <a:t>   </a:t>
+            </a:r>
+            <a:r>
+              <a:rPr lang="en-US" sz="2200" dirty="0" err="1">
+                <a:latin typeface="Courier New" panose="02070309020205020404" pitchFamily="49" charset="0"/>
+                <a:cs typeface="Courier New" panose="02070309020205020404" pitchFamily="49" charset="0"/>
+              </a:rPr>
+              <a:t>System.out.print</a:t>
+            </a:r>
+            <a:r>
+              <a:rPr lang="en-US" sz="2200" dirty="0">
+                <a:latin typeface="Courier New" panose="02070309020205020404" pitchFamily="49" charset="0"/>
+                <a:cs typeface="Courier New" panose="02070309020205020404" pitchFamily="49" charset="0"/>
+              </a:rPr>
+              <a:t>(s1.isPalindrome());</a:t>
+            </a:r>
+          </a:p>
+          <a:p>
+            <a:pPr marL="0" indent="0">
+              <a:buNone/>
+            </a:pPr>
+            <a:r>
+              <a:rPr lang="en-US" sz="2200" dirty="0">
+                <a:latin typeface="Courier New" panose="02070309020205020404" pitchFamily="49" charset="0"/>
+                <a:cs typeface="Courier New" panose="02070309020205020404" pitchFamily="49" charset="0"/>
+              </a:rPr>
+              <a:t>}</a:t>
             </a:r>
           </a:p>
         </p:txBody>
@@ -9798,7 +9901,7 @@
         </p:nvGrpSpPr>
         <p:grpSpPr bwMode="auto">
           <a:xfrm>
-            <a:off x="5105400" y="2366962"/>
+            <a:off x="5029200" y="4648200"/>
             <a:ext cx="3581400" cy="1754921"/>
             <a:chOff x="5334000" y="2505670"/>
             <a:chExt cx="3581400" cy="1754578"/>
@@ -9845,7 +9948,7 @@
                 <a:defRPr/>
               </a:pPr>
               <a:r>
-                <a:rPr lang="en-US" sz="2400" dirty="0">
+                <a:rPr lang="en-US" sz="2400">
                   <a:cs typeface="Lucida Sans Unicode" pitchFamily="34" charset="0"/>
                 </a:rPr>
                 <a:t>Sentence</a:t>
@@ -9894,7 +9997,7 @@
                 <a:defRPr/>
               </a:pPr>
               <a:r>
-                <a:rPr lang="en-US" sz="2400" dirty="0">
+                <a:rPr lang="en-US" sz="2400">
                   <a:cs typeface="Lucida Sans Unicode" pitchFamily="34" charset="0"/>
                 </a:rPr>
                 <a:t>String text</a:t>
@@ -9943,19 +10046,19 @@
                 <a:defRPr/>
               </a:pPr>
               <a:r>
-                <a:rPr lang="en-US" sz="2400" dirty="0">
+                <a:rPr lang="en-US" sz="2400">
                   <a:cs typeface="Lucida Sans Unicode" pitchFamily="34" charset="0"/>
                 </a:rPr>
                 <a:t>String </a:t>
               </a:r>
               <a:r>
-                <a:rPr lang="en-US" sz="2400" dirty="0" err="1">
+                <a:rPr lang="en-US" sz="2400" err="1">
                   <a:cs typeface="Lucida Sans Unicode" pitchFamily="34" charset="0"/>
                 </a:rPr>
                 <a:t>toString</a:t>
               </a:r>
               <a:r>
-                <a:rPr lang="en-US" sz="2400" dirty="0">
+                <a:rPr lang="en-US" sz="2400">
                   <a:cs typeface="Lucida Sans Unicode" pitchFamily="34" charset="0"/>
                 </a:rPr>
                 <a:t>()</a:t>
@@ -9966,25 +10069,25 @@
                 <a:defRPr/>
               </a:pPr>
               <a:r>
-                <a:rPr lang="en-US" sz="2400" dirty="0" err="1">
+                <a:rPr lang="en-US" sz="2400" err="1">
                   <a:cs typeface="Lucida Sans Unicode" pitchFamily="34" charset="0"/>
                 </a:rPr>
                 <a:t>boolean</a:t>
               </a:r>
               <a:r>
-                <a:rPr lang="en-US" sz="2400" dirty="0">
+                <a:rPr lang="en-US" sz="2400">
                   <a:cs typeface="Lucida Sans Unicode" pitchFamily="34" charset="0"/>
                 </a:rPr>
                 <a:t> </a:t>
               </a:r>
               <a:r>
-                <a:rPr lang="en-US" sz="2400" dirty="0" err="1">
+                <a:rPr lang="en-US" sz="2400" err="1">
                   <a:cs typeface="Lucida Sans Unicode" pitchFamily="34" charset="0"/>
                 </a:rPr>
                 <a:t>isPalindrome</a:t>
               </a:r>
               <a:r>
-                <a:rPr lang="en-US" sz="2400" dirty="0">
+                <a:rPr lang="en-US" sz="2400">
                   <a:cs typeface="Lucida Sans Unicode" pitchFamily="34" charset="0"/>
                 </a:rPr>
                 <a:t>()</a:t>
@@ -9996,7 +10099,7 @@
     </p:spTree>
     <p:extLst>
       <p:ext uri="{BB962C8B-B14F-4D97-AF65-F5344CB8AC3E}">
-        <p14:creationId xmlns:p14="http://schemas.microsoft.com/office/powerpoint/2010/main" val="3815621099"/>
+        <p14:creationId xmlns:p14="http://schemas.microsoft.com/office/powerpoint/2010/main" val="3201199095"/>
       </p:ext>
     </p:extLst>
   </p:cSld>
